--- a/Tugas 1/DarylDiningrat_51415600_4IA17.pptx
+++ b/Tugas 1/DarylDiningrat_51415600_4IA17.pptx
@@ -40,7 +40,14 @@
     <p:sldId id="288" r:id="rId34"/>
     <p:sldId id="289" r:id="rId35"/>
     <p:sldId id="290" r:id="rId36"/>
-    <p:sldId id="291" r:id="rId37"/>
+    <p:sldId id="292" r:id="rId37"/>
+    <p:sldId id="293" r:id="rId38"/>
+    <p:sldId id="294" r:id="rId39"/>
+    <p:sldId id="295" r:id="rId40"/>
+    <p:sldId id="296" r:id="rId41"/>
+    <p:sldId id="297" r:id="rId42"/>
+    <p:sldId id="298" r:id="rId43"/>
+    <p:sldId id="291" r:id="rId44"/>
   </p:sldIdLst>
   <p:sldSz cx="12192000" cy="6858000"/>
   <p:notesSz cx="6858000" cy="9144000"/>
@@ -338,7 +345,7 @@
             <a:fld id="{96DFF08F-DC6B-4601-B491-B0F83F6DD2DA}" type="datetimeFigureOut">
               <a:rPr lang="en-US" dirty="0"/>
               <a:pPr/>
-              <a:t>3/23/2019</a:t>
+              <a:t>3/30/2019</a:t>
             </a:fld>
             <a:endParaRPr lang="en-US" dirty="0"/>
           </a:p>
@@ -538,7 +545,7 @@
           <a:p>
             <a:fld id="{96DFF08F-DC6B-4601-B491-B0F83F6DD2DA}" type="datetimeFigureOut">
               <a:rPr lang="en-US" dirty="0"/>
-              <a:t>3/23/2019</a:t>
+              <a:t>3/30/2019</a:t>
             </a:fld>
             <a:endParaRPr lang="en-US" dirty="0"/>
           </a:p>
@@ -713,7 +720,7 @@
           <a:p>
             <a:fld id="{96DFF08F-DC6B-4601-B491-B0F83F6DD2DA}" type="datetimeFigureOut">
               <a:rPr lang="en-US" dirty="0"/>
-              <a:t>3/23/2019</a:t>
+              <a:t>3/30/2019</a:t>
             </a:fld>
             <a:endParaRPr lang="en-US" dirty="0"/>
           </a:p>
@@ -913,7 +920,7 @@
           <a:p>
             <a:fld id="{96DFF08F-DC6B-4601-B491-B0F83F6DD2DA}" type="datetimeFigureOut">
               <a:rPr lang="en-US" dirty="0"/>
-              <a:t>3/23/2019</a:t>
+              <a:t>3/30/2019</a:t>
             </a:fld>
             <a:endParaRPr lang="en-US" dirty="0"/>
           </a:p>
@@ -1203,7 +1210,7 @@
           <a:p>
             <a:fld id="{96DFF08F-DC6B-4601-B491-B0F83F6DD2DA}" type="datetimeFigureOut">
               <a:rPr lang="en-US" dirty="0"/>
-              <a:t>3/23/2019</a:t>
+              <a:t>3/30/2019</a:t>
             </a:fld>
             <a:endParaRPr lang="en-US" dirty="0"/>
           </a:p>
@@ -1470,7 +1477,7 @@
           <a:p>
             <a:fld id="{96DFF08F-DC6B-4601-B491-B0F83F6DD2DA}" type="datetimeFigureOut">
               <a:rPr lang="en-US" dirty="0"/>
-              <a:t>3/23/2019</a:t>
+              <a:t>3/30/2019</a:t>
             </a:fld>
             <a:endParaRPr lang="en-US" dirty="0"/>
           </a:p>
@@ -1872,7 +1879,7 @@
           <a:p>
             <a:fld id="{96DFF08F-DC6B-4601-B491-B0F83F6DD2DA}" type="datetimeFigureOut">
               <a:rPr lang="en-US" dirty="0"/>
-              <a:t>3/23/2019</a:t>
+              <a:t>3/30/2019</a:t>
             </a:fld>
             <a:endParaRPr lang="en-US" dirty="0"/>
           </a:p>
@@ -1985,7 +1992,7 @@
           <a:p>
             <a:fld id="{96DFF08F-DC6B-4601-B491-B0F83F6DD2DA}" type="datetimeFigureOut">
               <a:rPr lang="en-US" dirty="0"/>
-              <a:t>3/23/2019</a:t>
+              <a:t>3/30/2019</a:t>
             </a:fld>
             <a:endParaRPr lang="en-US" dirty="0"/>
           </a:p>
@@ -2075,7 +2082,7 @@
           <a:p>
             <a:fld id="{96DFF08F-DC6B-4601-B491-B0F83F6DD2DA}" type="datetimeFigureOut">
               <a:rPr lang="en-US" dirty="0"/>
-              <a:t>3/23/2019</a:t>
+              <a:t>3/30/2019</a:t>
             </a:fld>
             <a:endParaRPr lang="en-US" dirty="0"/>
           </a:p>
@@ -2360,7 +2367,7 @@
           <a:p>
             <a:fld id="{96DFF08F-DC6B-4601-B491-B0F83F6DD2DA}" type="datetimeFigureOut">
               <a:rPr lang="en-US" dirty="0"/>
-              <a:t>3/23/2019</a:t>
+              <a:t>3/30/2019</a:t>
             </a:fld>
             <a:endParaRPr lang="en-US" dirty="0"/>
           </a:p>
@@ -2635,7 +2642,7 @@
           <a:p>
             <a:fld id="{C7616CA0-919D-4A49-9C8A-62FDFB3A5183}" type="datetimeFigureOut">
               <a:rPr lang="en-US" dirty="0"/>
-              <a:t>3/23/2019</a:t>
+              <a:t>3/30/2019</a:t>
             </a:fld>
             <a:endParaRPr lang="en-US" dirty="0"/>
           </a:p>
@@ -2881,7 +2888,7 @@
             <a:fld id="{96DFF08F-DC6B-4601-B491-B0F83F6DD2DA}" type="datetimeFigureOut">
               <a:rPr lang="en-US" dirty="0"/>
               <a:pPr/>
-              <a:t>3/23/2019</a:t>
+              <a:t>3/30/2019</a:t>
             </a:fld>
             <a:endParaRPr lang="en-US" dirty="0"/>
           </a:p>
@@ -12804,7 +12811,7 @@
           <a:p>
             <a:r>
               <a:rPr lang="en-US" dirty="0" err="1" smtClean="0"/>
-              <a:t>Daftar</a:t>
+              <a:t>Apa</a:t>
             </a:r>
             <a:r>
               <a:rPr lang="en-US" dirty="0" smtClean="0"/>
@@ -12812,7 +12819,19 @@
             </a:r>
             <a:r>
               <a:rPr lang="en-US" dirty="0" err="1" smtClean="0"/>
-              <a:t>pustaka</a:t>
+              <a:t>itu</a:t>
+            </a:r>
+            <a:r>
+              <a:rPr lang="en-US" dirty="0" smtClean="0"/>
+              <a:t> </a:t>
+            </a:r>
+            <a:r>
+              <a:rPr lang="en-US" dirty="0" err="1" smtClean="0"/>
+              <a:t>jupyter</a:t>
+            </a:r>
+            <a:r>
+              <a:rPr lang="en-US" dirty="0" smtClean="0"/>
+              <a:t> ?</a:t>
             </a:r>
             <a:endParaRPr lang="en-US" dirty="0"/>
           </a:p>
@@ -12834,139 +12853,280 @@
           <a:lstStyle/>
           <a:p>
             <a:r>
-              <a:rPr lang="en-US" dirty="0" smtClean="0"/>
-              <a:t>1. </a:t>
-            </a:r>
-            <a:r>
-              <a:rPr lang="en-US" dirty="0">
-                <a:hlinkClick r:id="rId2"/>
-              </a:rPr>
-              <a:t>https</a:t>
-            </a:r>
-            <a:r>
-              <a:rPr lang="en-US" dirty="0" smtClean="0">
-                <a:hlinkClick r:id="rId2"/>
-              </a:rPr>
-              <a:t>://wiki.python.org/moin/UsefulModules</a:t>
-            </a:r>
-            <a:endParaRPr lang="en-US" dirty="0" smtClean="0"/>
-          </a:p>
-          <a:p>
-            <a:r>
-              <a:rPr lang="en-US" dirty="0" smtClean="0"/>
-              <a:t>2. </a:t>
-            </a:r>
-            <a:r>
-              <a:rPr lang="en-US" dirty="0">
-                <a:hlinkClick r:id="rId3"/>
-              </a:rPr>
-              <a:t>https://</a:t>
-            </a:r>
-            <a:r>
-              <a:rPr lang="en-US" dirty="0" smtClean="0">
-                <a:hlinkClick r:id="rId3"/>
-              </a:rPr>
-              <a:t>belajarpython.com/tutorial/object-class-python</a:t>
-            </a:r>
-            <a:endParaRPr lang="en-US" dirty="0" smtClean="0"/>
-          </a:p>
-          <a:p>
-            <a:r>
-              <a:rPr lang="en-US" dirty="0" smtClean="0"/>
-              <a:t>3. </a:t>
-            </a:r>
-            <a:r>
-              <a:rPr lang="en-US" dirty="0">
-                <a:hlinkClick r:id="rId4"/>
-              </a:rPr>
-              <a:t>https://</a:t>
-            </a:r>
-            <a:r>
-              <a:rPr lang="en-US" dirty="0" smtClean="0">
-                <a:hlinkClick r:id="rId4"/>
-              </a:rPr>
-              <a:t>belajarpython.com/tutorial/tipe-data-python</a:t>
-            </a:r>
-            <a:endParaRPr lang="en-US" dirty="0" smtClean="0"/>
-          </a:p>
-          <a:p>
-            <a:r>
-              <a:rPr lang="en-US" dirty="0" smtClean="0"/>
-              <a:t>4. </a:t>
-            </a:r>
-            <a:r>
-              <a:rPr lang="en-US" dirty="0">
-                <a:hlinkClick r:id="rId5"/>
-              </a:rPr>
-              <a:t>https://packaging.python.org/discussions/pip-vs-easy-install/</a:t>
-            </a:r>
-            <a:endParaRPr lang="en-US" dirty="0" smtClean="0"/>
-          </a:p>
-          <a:p>
-            <a:r>
-              <a:rPr lang="en-US" dirty="0"/>
-              <a:t>5</a:t>
-            </a:r>
-            <a:r>
-              <a:rPr lang="en-US" dirty="0" smtClean="0"/>
+              <a:rPr lang="en-US" dirty="0"/>
+              <a:t>The </a:t>
+            </a:r>
+            <a:r>
+              <a:rPr lang="en-US" dirty="0" err="1"/>
+              <a:t>Jupyter</a:t>
+            </a:r>
+            <a:r>
+              <a:rPr lang="en-US" dirty="0"/>
+              <a:t> Notebook </a:t>
+            </a:r>
+            <a:r>
+              <a:rPr lang="en-US" dirty="0" err="1"/>
+              <a:t>adalah</a:t>
+            </a:r>
+            <a:r>
+              <a:rPr lang="en-US" dirty="0"/>
+              <a:t> </a:t>
+            </a:r>
+            <a:r>
+              <a:rPr lang="en-US" dirty="0" err="1"/>
+              <a:t>aplikasi</a:t>
+            </a:r>
+            <a:r>
+              <a:rPr lang="en-US" dirty="0"/>
+              <a:t> web </a:t>
+            </a:r>
+            <a:r>
+              <a:rPr lang="en-US" dirty="0" err="1"/>
+              <a:t>sumber</a:t>
+            </a:r>
+            <a:r>
+              <a:rPr lang="en-US" dirty="0"/>
+              <a:t> </a:t>
+            </a:r>
+            <a:r>
+              <a:rPr lang="en-US" dirty="0" err="1"/>
+              <a:t>terbuka</a:t>
+            </a:r>
+            <a:r>
+              <a:rPr lang="en-US" dirty="0"/>
+              <a:t> yang </a:t>
+            </a:r>
+            <a:r>
+              <a:rPr lang="en-US" dirty="0" err="1"/>
+              <a:t>memungkinkan</a:t>
+            </a:r>
+            <a:r>
+              <a:rPr lang="en-US" dirty="0"/>
+              <a:t> </a:t>
+            </a:r>
+            <a:r>
+              <a:rPr lang="en-US" dirty="0" err="1"/>
+              <a:t>Anda</a:t>
+            </a:r>
+            <a:r>
+              <a:rPr lang="en-US" dirty="0"/>
+              <a:t> </a:t>
+            </a:r>
+            <a:r>
+              <a:rPr lang="en-US" dirty="0" err="1"/>
+              <a:t>membuat</a:t>
+            </a:r>
+            <a:r>
+              <a:rPr lang="en-US" dirty="0"/>
+              <a:t> </a:t>
+            </a:r>
+            <a:r>
+              <a:rPr lang="en-US" dirty="0" err="1"/>
+              <a:t>dan</a:t>
+            </a:r>
+            <a:r>
+              <a:rPr lang="en-US" dirty="0"/>
+              <a:t> </a:t>
+            </a:r>
+            <a:r>
+              <a:rPr lang="en-US" dirty="0" err="1"/>
+              <a:t>berbagi</a:t>
+            </a:r>
+            <a:r>
+              <a:rPr lang="en-US" dirty="0"/>
+              <a:t> </a:t>
+            </a:r>
+            <a:r>
+              <a:rPr lang="en-US" dirty="0" err="1"/>
+              <a:t>dokumen</a:t>
+            </a:r>
+            <a:r>
+              <a:rPr lang="en-US" dirty="0"/>
+              <a:t> yang </a:t>
+            </a:r>
+            <a:r>
+              <a:rPr lang="en-US" dirty="0" err="1"/>
+              <a:t>berisi</a:t>
+            </a:r>
+            <a:r>
+              <a:rPr lang="en-US" dirty="0"/>
+              <a:t> </a:t>
+            </a:r>
+            <a:r>
+              <a:rPr lang="en-US" dirty="0" err="1"/>
+              <a:t>kode</a:t>
+            </a:r>
+            <a:r>
+              <a:rPr lang="en-US" dirty="0"/>
+              <a:t> </a:t>
+            </a:r>
+            <a:r>
+              <a:rPr lang="en-US" dirty="0" err="1"/>
+              <a:t>langsung</a:t>
+            </a:r>
+            <a:r>
+              <a:rPr lang="en-US" dirty="0"/>
+              <a:t>, </a:t>
+            </a:r>
+            <a:r>
+              <a:rPr lang="en-US" dirty="0" err="1"/>
+              <a:t>persamaan</a:t>
+            </a:r>
+            <a:r>
+              <a:rPr lang="en-US" dirty="0"/>
+              <a:t>, </a:t>
+            </a:r>
+            <a:r>
+              <a:rPr lang="en-US" dirty="0" err="1"/>
+              <a:t>visualisasi</a:t>
+            </a:r>
+            <a:r>
+              <a:rPr lang="en-US" dirty="0"/>
+              <a:t>, </a:t>
+            </a:r>
+            <a:r>
+              <a:rPr lang="en-US" dirty="0" err="1"/>
+              <a:t>dan</a:t>
+            </a:r>
+            <a:r>
+              <a:rPr lang="en-US" dirty="0"/>
+              <a:t> </a:t>
+            </a:r>
+            <a:r>
+              <a:rPr lang="en-US" dirty="0" err="1"/>
+              <a:t>teks</a:t>
+            </a:r>
+            <a:r>
+              <a:rPr lang="en-US" dirty="0"/>
+              <a:t> </a:t>
+            </a:r>
+            <a:r>
+              <a:rPr lang="en-US" dirty="0" err="1"/>
+              <a:t>naratif</a:t>
+            </a:r>
+            <a:r>
+              <a:rPr lang="en-US" dirty="0"/>
               <a:t>. </a:t>
             </a:r>
             <a:r>
-              <a:rPr lang="en-US" dirty="0">
-                <a:hlinkClick r:id="rId6"/>
-              </a:rPr>
-              <a:t>https://</a:t>
-            </a:r>
-            <a:r>
-              <a:rPr lang="en-US" dirty="0" smtClean="0">
-                <a:hlinkClick r:id="rId6"/>
-              </a:rPr>
-              <a:t>belajarpython.com/tutorial/variabel-python</a:t>
-            </a:r>
-            <a:endParaRPr lang="en-US" dirty="0" smtClean="0"/>
-          </a:p>
-          <a:p>
-            <a:r>
-              <a:rPr lang="en-US" dirty="0" smtClean="0"/>
-              <a:t>6. </a:t>
-            </a:r>
-            <a:r>
-              <a:rPr lang="en-US" dirty="0">
-                <a:hlinkClick r:id="rId7"/>
-              </a:rPr>
-              <a:t>https://www.petanikode.com/python-windows/</a:t>
-            </a:r>
-            <a:endParaRPr lang="en-US" dirty="0" smtClean="0"/>
-          </a:p>
-          <a:p>
-            <a:r>
-              <a:rPr lang="en-US" dirty="0" smtClean="0"/>
-              <a:t>7. </a:t>
-            </a:r>
-            <a:r>
-              <a:rPr lang="en-US" dirty="0">
-                <a:hlinkClick r:id="rId8"/>
-              </a:rPr>
-              <a:t>https://</a:t>
-            </a:r>
-            <a:r>
-              <a:rPr lang="en-US" dirty="0" smtClean="0">
-                <a:hlinkClick r:id="rId8"/>
-              </a:rPr>
-              <a:t>belajarpython.com/tutorial/kondisi-if-else-python</a:t>
-            </a:r>
-            <a:endParaRPr lang="en-US" dirty="0" smtClean="0"/>
-          </a:p>
-          <a:p>
-            <a:r>
-              <a:rPr lang="en-US" dirty="0" smtClean="0"/>
-              <a:t>8. </a:t>
-            </a:r>
-            <a:r>
-              <a:rPr lang="en-US" dirty="0">
-                <a:hlinkClick r:id="rId9"/>
-              </a:rPr>
-              <a:t>https://www.codepolitan.com/melihat-berbagai-macam-function-python</a:t>
+              <a:rPr lang="en-US" dirty="0" err="1"/>
+              <a:t>Penggunaan</a:t>
+            </a:r>
+            <a:r>
+              <a:rPr lang="en-US" dirty="0"/>
+              <a:t> </a:t>
+            </a:r>
+            <a:r>
+              <a:rPr lang="en-US" dirty="0" err="1"/>
+              <a:t>meliputi</a:t>
+            </a:r>
+            <a:r>
+              <a:rPr lang="en-US" dirty="0"/>
+              <a:t>: </a:t>
+            </a:r>
+            <a:r>
+              <a:rPr lang="en-US" dirty="0" err="1"/>
+              <a:t>pembersihan</a:t>
+            </a:r>
+            <a:r>
+              <a:rPr lang="en-US" dirty="0"/>
+              <a:t> </a:t>
+            </a:r>
+            <a:r>
+              <a:rPr lang="en-US" dirty="0" err="1"/>
+              <a:t>dan</a:t>
+            </a:r>
+            <a:r>
+              <a:rPr lang="en-US" dirty="0"/>
+              <a:t> </a:t>
+            </a:r>
+            <a:r>
+              <a:rPr lang="en-US" dirty="0" err="1"/>
+              <a:t>transformasi</a:t>
+            </a:r>
+            <a:r>
+              <a:rPr lang="en-US" dirty="0"/>
+              <a:t> data, </a:t>
+            </a:r>
+            <a:r>
+              <a:rPr lang="en-US" dirty="0" err="1"/>
+              <a:t>simulasi</a:t>
+            </a:r>
+            <a:r>
+              <a:rPr lang="en-US" dirty="0"/>
+              <a:t> </a:t>
+            </a:r>
+            <a:r>
+              <a:rPr lang="en-US" dirty="0" err="1"/>
+              <a:t>numerik</a:t>
+            </a:r>
+            <a:r>
+              <a:rPr lang="en-US" dirty="0"/>
+              <a:t>, </a:t>
+            </a:r>
+            <a:r>
+              <a:rPr lang="en-US" dirty="0" err="1"/>
+              <a:t>pemodelan</a:t>
+            </a:r>
+            <a:r>
+              <a:rPr lang="en-US" dirty="0"/>
+              <a:t> </a:t>
+            </a:r>
+            <a:r>
+              <a:rPr lang="en-US" dirty="0" err="1"/>
+              <a:t>statistik</a:t>
+            </a:r>
+            <a:r>
+              <a:rPr lang="en-US" dirty="0"/>
+              <a:t>, </a:t>
+            </a:r>
+            <a:r>
+              <a:rPr lang="en-US" dirty="0" err="1"/>
+              <a:t>visualisasi</a:t>
+            </a:r>
+            <a:r>
+              <a:rPr lang="en-US" dirty="0"/>
+              <a:t> data, </a:t>
+            </a:r>
+            <a:r>
+              <a:rPr lang="en-US" dirty="0" err="1"/>
+              <a:t>pembelajaran</a:t>
+            </a:r>
+            <a:r>
+              <a:rPr lang="en-US" dirty="0"/>
+              <a:t> </a:t>
+            </a:r>
+            <a:r>
+              <a:rPr lang="en-US" dirty="0" err="1"/>
+              <a:t>mesin</a:t>
+            </a:r>
+            <a:r>
+              <a:rPr lang="en-US" dirty="0"/>
+              <a:t>, </a:t>
+            </a:r>
+            <a:r>
+              <a:rPr lang="en-US" dirty="0" err="1"/>
+              <a:t>dan</a:t>
+            </a:r>
+            <a:r>
+              <a:rPr lang="en-US" dirty="0"/>
+              <a:t> </a:t>
+            </a:r>
+            <a:r>
+              <a:rPr lang="en-US" dirty="0" err="1"/>
+              <a:t>banyak</a:t>
+            </a:r>
+            <a:r>
+              <a:rPr lang="en-US" dirty="0"/>
+              <a:t> </a:t>
+            </a:r>
+            <a:r>
+              <a:rPr lang="en-US" dirty="0" err="1"/>
+              <a:t>lagi</a:t>
+            </a:r>
+            <a:r>
+              <a:rPr lang="en-US" dirty="0"/>
+              <a:t>.</a:t>
             </a:r>
             <a:endParaRPr lang="en-US" dirty="0"/>
           </a:p>
@@ -12975,7 +13135,1155 @@
     </p:spTree>
     <p:extLst>
       <p:ext uri="{BB962C8B-B14F-4D97-AF65-F5344CB8AC3E}">
-        <p14:creationId xmlns:p14="http://schemas.microsoft.com/office/powerpoint/2010/main" val="157279969"/>
+        <p14:creationId xmlns:p14="http://schemas.microsoft.com/office/powerpoint/2010/main" val="3727627148"/>
+      </p:ext>
+    </p:extLst>
+  </p:cSld>
+  <p:clrMapOvr>
+    <a:masterClrMapping/>
+  </p:clrMapOvr>
+</p:sld>
+</file>
+
+<file path=ppt/slides/slide37.xml><?xml version="1.0" encoding="utf-8"?>
+<p:sld xmlns:a="http://schemas.openxmlformats.org/drawingml/2006/main" xmlns:r="http://schemas.openxmlformats.org/officeDocument/2006/relationships" xmlns:p="http://schemas.openxmlformats.org/presentationml/2006/main">
+  <p:cSld>
+    <p:spTree>
+      <p:nvGrpSpPr>
+        <p:cNvPr id="1" name=""/>
+        <p:cNvGrpSpPr/>
+        <p:nvPr/>
+      </p:nvGrpSpPr>
+      <p:grpSpPr>
+        <a:xfrm>
+          <a:off x="0" y="0"/>
+          <a:ext cx="0" cy="0"/>
+          <a:chOff x="0" y="0"/>
+          <a:chExt cx="0" cy="0"/>
+        </a:xfrm>
+      </p:grpSpPr>
+      <p:sp>
+        <p:nvSpPr>
+          <p:cNvPr id="2" name="Title 1"/>
+          <p:cNvSpPr>
+            <a:spLocks noGrp="1"/>
+          </p:cNvSpPr>
+          <p:nvPr>
+            <p:ph type="title"/>
+          </p:nvPr>
+        </p:nvSpPr>
+        <p:spPr/>
+        <p:txBody>
+          <a:bodyPr/>
+          <a:lstStyle/>
+          <a:p>
+            <a:r>
+              <a:rPr lang="en-US" dirty="0" smtClean="0"/>
+              <a:t>Cara install </a:t>
+            </a:r>
+            <a:r>
+              <a:rPr lang="en-US" dirty="0" err="1" smtClean="0"/>
+              <a:t>jupyter</a:t>
+            </a:r>
+            <a:endParaRPr lang="en-US" dirty="0"/>
+          </a:p>
+        </p:txBody>
+      </p:sp>
+      <p:sp>
+        <p:nvSpPr>
+          <p:cNvPr id="9" name="Content Placeholder 8"/>
+          <p:cNvSpPr>
+            <a:spLocks noGrp="1"/>
+          </p:cNvSpPr>
+          <p:nvPr>
+            <p:ph idx="1"/>
+          </p:nvPr>
+        </p:nvSpPr>
+        <p:spPr/>
+        <p:txBody>
+          <a:bodyPr>
+            <a:normAutofit/>
+          </a:bodyPr>
+          <a:lstStyle/>
+          <a:p>
+            <a:r>
+              <a:rPr lang="en-US" b="1" dirty="0" err="1"/>
+              <a:t>Menjalankan</a:t>
+            </a:r>
+            <a:r>
+              <a:rPr lang="en-US" b="1" dirty="0"/>
+              <a:t> Notebook </a:t>
+            </a:r>
+            <a:r>
+              <a:rPr lang="en-US" b="1" dirty="0" err="1"/>
+              <a:t>Jupyter</a:t>
+            </a:r>
+            <a:r>
+              <a:rPr lang="en-US" b="1" dirty="0"/>
+              <a:t> </a:t>
+            </a:r>
+            <a:r>
+              <a:rPr lang="en-US" b="1" dirty="0" err="1"/>
+              <a:t>Dengan</a:t>
+            </a:r>
+            <a:r>
+              <a:rPr lang="en-US" b="1" dirty="0"/>
+              <a:t> </a:t>
+            </a:r>
+            <a:r>
+              <a:rPr lang="en-US" b="1" dirty="0" err="1"/>
+              <a:t>Distribusi</a:t>
+            </a:r>
+            <a:r>
+              <a:rPr lang="en-US" b="1" dirty="0"/>
+              <a:t> Python Anaconda</a:t>
+            </a:r>
+          </a:p>
+          <a:p>
+            <a:r>
+              <a:rPr lang="en-US" dirty="0"/>
+              <a:t>Salah </a:t>
+            </a:r>
+            <a:r>
+              <a:rPr lang="en-US" dirty="0" err="1"/>
+              <a:t>satu</a:t>
+            </a:r>
+            <a:r>
+              <a:rPr lang="en-US" dirty="0"/>
+              <a:t> </a:t>
+            </a:r>
+            <a:r>
+              <a:rPr lang="en-US" dirty="0" err="1"/>
+              <a:t>persyaratan</a:t>
+            </a:r>
+            <a:r>
+              <a:rPr lang="en-US" dirty="0"/>
+              <a:t> di </a:t>
+            </a:r>
+            <a:r>
+              <a:rPr lang="en-US" dirty="0" err="1"/>
+              <a:t>sini</a:t>
+            </a:r>
+            <a:r>
+              <a:rPr lang="en-US" dirty="0"/>
+              <a:t> </a:t>
+            </a:r>
+            <a:r>
+              <a:rPr lang="en-US" dirty="0" err="1"/>
+              <a:t>adalah</a:t>
+            </a:r>
+            <a:r>
+              <a:rPr lang="en-US" dirty="0"/>
+              <a:t> Python, </a:t>
+            </a:r>
+            <a:r>
+              <a:rPr lang="en-US" dirty="0" err="1"/>
+              <a:t>baik</a:t>
+            </a:r>
+            <a:r>
+              <a:rPr lang="en-US" dirty="0"/>
+              <a:t> Python 3.3 </a:t>
+            </a:r>
+            <a:r>
+              <a:rPr lang="en-US" dirty="0" err="1"/>
+              <a:t>atau</a:t>
+            </a:r>
+            <a:r>
+              <a:rPr lang="en-US" dirty="0"/>
+              <a:t> </a:t>
+            </a:r>
+            <a:r>
+              <a:rPr lang="en-US" dirty="0" err="1"/>
+              <a:t>lebih</a:t>
+            </a:r>
+            <a:r>
+              <a:rPr lang="en-US" dirty="0"/>
+              <a:t> </a:t>
+            </a:r>
+            <a:r>
+              <a:rPr lang="en-US" dirty="0" err="1"/>
+              <a:t>besar</a:t>
+            </a:r>
+            <a:r>
+              <a:rPr lang="en-US" dirty="0"/>
+              <a:t> </a:t>
+            </a:r>
+            <a:r>
+              <a:rPr lang="en-US" dirty="0" err="1"/>
+              <a:t>atau</a:t>
+            </a:r>
+            <a:r>
+              <a:rPr lang="en-US" dirty="0"/>
+              <a:t> Python 2.7. </a:t>
+            </a:r>
+            <a:r>
+              <a:rPr lang="en-US" dirty="0" err="1"/>
+              <a:t>Rekomendasi</a:t>
+            </a:r>
+            <a:r>
+              <a:rPr lang="en-US" dirty="0"/>
+              <a:t> </a:t>
+            </a:r>
+            <a:r>
+              <a:rPr lang="en-US" dirty="0" err="1"/>
+              <a:t>umum</a:t>
+            </a:r>
+            <a:r>
+              <a:rPr lang="en-US" dirty="0"/>
+              <a:t> </a:t>
+            </a:r>
+            <a:r>
+              <a:rPr lang="en-US" dirty="0" err="1"/>
+              <a:t>adalah</a:t>
+            </a:r>
+            <a:r>
+              <a:rPr lang="en-US" dirty="0"/>
+              <a:t> </a:t>
+            </a:r>
+            <a:r>
+              <a:rPr lang="en-US" dirty="0" err="1"/>
+              <a:t>Anda</a:t>
+            </a:r>
+            <a:r>
+              <a:rPr lang="en-US" dirty="0"/>
+              <a:t> </a:t>
+            </a:r>
+            <a:r>
+              <a:rPr lang="en-US" dirty="0" err="1"/>
+              <a:t>menggunakan</a:t>
+            </a:r>
+            <a:r>
+              <a:rPr lang="en-US" dirty="0"/>
+              <a:t> </a:t>
+            </a:r>
+            <a:r>
+              <a:rPr lang="en-US" dirty="0" err="1"/>
+              <a:t>distribusi</a:t>
+            </a:r>
+            <a:r>
+              <a:rPr lang="en-US" dirty="0"/>
+              <a:t> Anaconda </a:t>
+            </a:r>
+            <a:r>
+              <a:rPr lang="en-US" dirty="0" err="1"/>
+              <a:t>untuk</a:t>
+            </a:r>
+            <a:r>
+              <a:rPr lang="en-US" dirty="0"/>
+              <a:t> </a:t>
+            </a:r>
+            <a:r>
+              <a:rPr lang="en-US" dirty="0" err="1"/>
+              <a:t>menginstal</a:t>
+            </a:r>
+            <a:r>
+              <a:rPr lang="en-US" dirty="0"/>
+              <a:t> Python </a:t>
+            </a:r>
+            <a:r>
+              <a:rPr lang="en-US" dirty="0" err="1"/>
+              <a:t>dan</a:t>
+            </a:r>
+            <a:r>
+              <a:rPr lang="en-US" dirty="0"/>
+              <a:t> </a:t>
+            </a:r>
+            <a:r>
+              <a:rPr lang="en-US" dirty="0" err="1"/>
+              <a:t>aplikasi</a:t>
+            </a:r>
+            <a:r>
+              <a:rPr lang="en-US" dirty="0"/>
+              <a:t> notebook.</a:t>
+            </a:r>
+          </a:p>
+          <a:p>
+            <a:r>
+              <a:rPr lang="en-US" dirty="0" err="1"/>
+              <a:t>Keuntungan</a:t>
+            </a:r>
+            <a:r>
+              <a:rPr lang="en-US" dirty="0"/>
+              <a:t> </a:t>
+            </a:r>
+            <a:r>
+              <a:rPr lang="en-US" dirty="0" err="1"/>
+              <a:t>dari</a:t>
+            </a:r>
+            <a:r>
+              <a:rPr lang="en-US" dirty="0"/>
+              <a:t> Anaconda </a:t>
+            </a:r>
+            <a:r>
+              <a:rPr lang="en-US" dirty="0" err="1"/>
+              <a:t>adalah</a:t>
+            </a:r>
+            <a:r>
+              <a:rPr lang="en-US" dirty="0"/>
+              <a:t> </a:t>
+            </a:r>
+            <a:r>
+              <a:rPr lang="en-US" dirty="0" err="1"/>
+              <a:t>Anda</a:t>
+            </a:r>
+            <a:r>
+              <a:rPr lang="en-US" dirty="0"/>
+              <a:t> </a:t>
+            </a:r>
+            <a:r>
+              <a:rPr lang="en-US" dirty="0" err="1"/>
+              <a:t>memiliki</a:t>
+            </a:r>
+            <a:r>
+              <a:rPr lang="en-US" dirty="0"/>
+              <a:t> </a:t>
+            </a:r>
+            <a:r>
+              <a:rPr lang="en-US" dirty="0" err="1"/>
+              <a:t>akses</a:t>
+            </a:r>
+            <a:r>
+              <a:rPr lang="en-US" dirty="0"/>
+              <a:t> </a:t>
+            </a:r>
+            <a:r>
+              <a:rPr lang="en-US" dirty="0" err="1"/>
+              <a:t>ke</a:t>
+            </a:r>
+            <a:r>
+              <a:rPr lang="en-US" dirty="0"/>
+              <a:t> </a:t>
+            </a:r>
+            <a:r>
+              <a:rPr lang="en-US" dirty="0" err="1"/>
+              <a:t>lebih</a:t>
+            </a:r>
+            <a:r>
+              <a:rPr lang="en-US" dirty="0"/>
+              <a:t> </a:t>
+            </a:r>
+            <a:r>
+              <a:rPr lang="en-US" dirty="0" err="1"/>
+              <a:t>dari</a:t>
+            </a:r>
+            <a:r>
+              <a:rPr lang="en-US" dirty="0"/>
+              <a:t> 720 </a:t>
+            </a:r>
+            <a:r>
+              <a:rPr lang="en-US" dirty="0" err="1"/>
+              <a:t>paket</a:t>
+            </a:r>
+            <a:r>
+              <a:rPr lang="en-US" dirty="0"/>
+              <a:t> yang </a:t>
+            </a:r>
+            <a:r>
+              <a:rPr lang="en-US" dirty="0" err="1"/>
+              <a:t>dapat</a:t>
+            </a:r>
+            <a:r>
+              <a:rPr lang="en-US" dirty="0"/>
+              <a:t> </a:t>
+            </a:r>
+            <a:r>
+              <a:rPr lang="en-US" dirty="0" err="1"/>
+              <a:t>dengan</a:t>
+            </a:r>
+            <a:r>
+              <a:rPr lang="en-US" dirty="0"/>
+              <a:t> </a:t>
+            </a:r>
+            <a:r>
+              <a:rPr lang="en-US" dirty="0" err="1"/>
+              <a:t>mudah</a:t>
+            </a:r>
+            <a:r>
+              <a:rPr lang="en-US" dirty="0"/>
+              <a:t> </a:t>
+            </a:r>
+            <a:r>
+              <a:rPr lang="en-US" dirty="0" err="1"/>
+              <a:t>diinstal</a:t>
+            </a:r>
+            <a:r>
+              <a:rPr lang="en-US" dirty="0"/>
+              <a:t> </a:t>
+            </a:r>
+            <a:r>
+              <a:rPr lang="en-US" dirty="0" err="1"/>
+              <a:t>dengan</a:t>
+            </a:r>
+            <a:r>
+              <a:rPr lang="en-US" dirty="0"/>
+              <a:t> </a:t>
+            </a:r>
+            <a:r>
+              <a:rPr lang="en-US" dirty="0" err="1"/>
+              <a:t>kondominium</a:t>
+            </a:r>
+            <a:r>
+              <a:rPr lang="en-US" dirty="0"/>
+              <a:t>, </a:t>
+            </a:r>
+            <a:r>
+              <a:rPr lang="en-US" dirty="0" err="1"/>
+              <a:t>paket</a:t>
+            </a:r>
+            <a:r>
+              <a:rPr lang="en-US" dirty="0"/>
+              <a:t>, </a:t>
+            </a:r>
+            <a:r>
+              <a:rPr lang="en-US" dirty="0" err="1"/>
+              <a:t>ketergantungan</a:t>
+            </a:r>
+            <a:r>
+              <a:rPr lang="en-US" dirty="0"/>
+              <a:t>, </a:t>
+            </a:r>
+            <a:r>
+              <a:rPr lang="en-US" dirty="0" err="1"/>
+              <a:t>dan</a:t>
+            </a:r>
+            <a:r>
+              <a:rPr lang="en-US" dirty="0"/>
+              <a:t> </a:t>
+            </a:r>
+            <a:r>
+              <a:rPr lang="en-US" dirty="0" err="1"/>
+              <a:t>pengelola</a:t>
+            </a:r>
+            <a:r>
+              <a:rPr lang="en-US" dirty="0"/>
+              <a:t> </a:t>
+            </a:r>
+            <a:r>
+              <a:rPr lang="en-US" dirty="0" err="1"/>
+              <a:t>lingkungan</a:t>
+            </a:r>
+            <a:r>
+              <a:rPr lang="en-US" dirty="0"/>
+              <a:t> Anaconda. </a:t>
+            </a:r>
+            <a:r>
+              <a:rPr lang="en-US" dirty="0" err="1"/>
+              <a:t>Anda</a:t>
+            </a:r>
+            <a:r>
+              <a:rPr lang="en-US" dirty="0"/>
+              <a:t> </a:t>
+            </a:r>
+            <a:r>
+              <a:rPr lang="en-US" dirty="0" err="1"/>
+              <a:t>dapat</a:t>
+            </a:r>
+            <a:r>
+              <a:rPr lang="en-US" dirty="0"/>
+              <a:t> </a:t>
+            </a:r>
+            <a:r>
+              <a:rPr lang="en-US" dirty="0" err="1"/>
+              <a:t>mengikuti</a:t>
+            </a:r>
+            <a:r>
+              <a:rPr lang="en-US" dirty="0"/>
+              <a:t> </a:t>
+            </a:r>
+            <a:r>
+              <a:rPr lang="en-US" dirty="0" err="1"/>
+              <a:t>instruksi</a:t>
+            </a:r>
+            <a:r>
+              <a:rPr lang="en-US" dirty="0"/>
+              <a:t> </a:t>
+            </a:r>
+            <a:r>
+              <a:rPr lang="en-US" dirty="0" err="1"/>
+              <a:t>untuk</a:t>
+            </a:r>
+            <a:r>
+              <a:rPr lang="en-US" dirty="0"/>
+              <a:t> </a:t>
+            </a:r>
+            <a:r>
+              <a:rPr lang="en-US" dirty="0" err="1"/>
+              <a:t>pemasangan</a:t>
+            </a:r>
+            <a:r>
+              <a:rPr lang="en-US" dirty="0"/>
+              <a:t> Anaconda di </a:t>
+            </a:r>
+            <a:r>
+              <a:rPr lang="en-US" dirty="0" err="1"/>
+              <a:t>sini</a:t>
+            </a:r>
+            <a:r>
+              <a:rPr lang="en-US" dirty="0"/>
+              <a:t> </a:t>
+            </a:r>
+            <a:r>
+              <a:rPr lang="en-US" dirty="0" err="1"/>
+              <a:t>untuk</a:t>
+            </a:r>
+            <a:r>
+              <a:rPr lang="en-US" dirty="0"/>
+              <a:t> </a:t>
+            </a:r>
+            <a:r>
+              <a:rPr lang="en-US" dirty="0">
+                <a:hlinkClick r:id="rId2"/>
+              </a:rPr>
+              <a:t>Mac</a:t>
+            </a:r>
+            <a:r>
+              <a:rPr lang="en-US" dirty="0"/>
+              <a:t> </a:t>
+            </a:r>
+            <a:r>
+              <a:rPr lang="en-US" dirty="0" err="1"/>
+              <a:t>atau</a:t>
+            </a:r>
+            <a:r>
+              <a:rPr lang="en-US" dirty="0"/>
+              <a:t> </a:t>
+            </a:r>
+            <a:r>
+              <a:rPr lang="en-US" dirty="0">
+                <a:hlinkClick r:id="rId3"/>
+              </a:rPr>
+              <a:t>Windows</a:t>
+            </a:r>
+            <a:r>
+              <a:rPr lang="en-US" dirty="0"/>
+              <a:t> .</a:t>
+            </a:r>
+          </a:p>
+          <a:p>
+            <a:r>
+              <a:rPr lang="en-US" dirty="0" err="1"/>
+              <a:t>Apakah</a:t>
+            </a:r>
+            <a:r>
+              <a:rPr lang="en-US" dirty="0"/>
+              <a:t> </a:t>
+            </a:r>
+            <a:r>
+              <a:rPr lang="en-US" dirty="0" err="1"/>
+              <a:t>ada</a:t>
+            </a:r>
+            <a:r>
+              <a:rPr lang="en-US" dirty="0"/>
+              <a:t> </a:t>
+            </a:r>
+            <a:r>
+              <a:rPr lang="en-US" dirty="0" err="1"/>
+              <a:t>sesuatu</a:t>
+            </a:r>
+            <a:r>
+              <a:rPr lang="en-US" dirty="0"/>
+              <a:t> yang </a:t>
+            </a:r>
+            <a:r>
+              <a:rPr lang="en-US" dirty="0" err="1"/>
+              <a:t>tidak</a:t>
+            </a:r>
+            <a:r>
+              <a:rPr lang="en-US" dirty="0"/>
+              <a:t> </a:t>
+            </a:r>
+            <a:r>
+              <a:rPr lang="en-US" dirty="0" err="1"/>
+              <a:t>jelas</a:t>
+            </a:r>
+            <a:r>
+              <a:rPr lang="en-US" dirty="0"/>
+              <a:t>? </a:t>
+            </a:r>
+            <a:r>
+              <a:rPr lang="en-US" dirty="0" err="1"/>
+              <a:t>Anda</a:t>
+            </a:r>
+            <a:r>
+              <a:rPr lang="en-US" dirty="0"/>
+              <a:t> </a:t>
+            </a:r>
+            <a:r>
+              <a:rPr lang="en-US" dirty="0" err="1"/>
+              <a:t>selalu</a:t>
+            </a:r>
+            <a:r>
+              <a:rPr lang="en-US" dirty="0"/>
+              <a:t> </a:t>
+            </a:r>
+            <a:r>
+              <a:rPr lang="en-US" dirty="0" err="1"/>
+              <a:t>dapat</a:t>
+            </a:r>
+            <a:r>
+              <a:rPr lang="en-US" dirty="0"/>
+              <a:t> </a:t>
+            </a:r>
+            <a:r>
+              <a:rPr lang="en-US" dirty="0" err="1"/>
+              <a:t>membaca</a:t>
+            </a:r>
+            <a:r>
+              <a:rPr lang="en-US" dirty="0"/>
+              <a:t> </a:t>
+            </a:r>
+            <a:r>
+              <a:rPr lang="en-US" dirty="0" err="1"/>
+              <a:t>instruksi</a:t>
+            </a:r>
+            <a:r>
+              <a:rPr lang="en-US" dirty="0"/>
+              <a:t> </a:t>
+            </a:r>
+            <a:r>
+              <a:rPr lang="en-US" dirty="0" err="1"/>
+              <a:t>instalasi</a:t>
+            </a:r>
+            <a:r>
+              <a:rPr lang="en-US" dirty="0"/>
+              <a:t> </a:t>
+            </a:r>
+            <a:r>
+              <a:rPr lang="en-US" dirty="0" err="1"/>
+              <a:t>Jupyter</a:t>
+            </a:r>
+            <a:r>
+              <a:rPr lang="en-US" dirty="0"/>
+              <a:t> di </a:t>
+            </a:r>
+            <a:r>
+              <a:rPr lang="en-US" dirty="0" err="1">
+                <a:hlinkClick r:id="rId4"/>
+              </a:rPr>
+              <a:t>sini</a:t>
+            </a:r>
+            <a:r>
+              <a:rPr lang="en-US" dirty="0"/>
+              <a:t> </a:t>
+            </a:r>
+            <a:r>
+              <a:rPr lang="en-US" dirty="0" smtClean="0"/>
+              <a:t>.</a:t>
+            </a:r>
+            <a:endParaRPr lang="en-US" dirty="0"/>
+          </a:p>
+        </p:txBody>
+      </p:sp>
+    </p:spTree>
+    <p:extLst>
+      <p:ext uri="{BB962C8B-B14F-4D97-AF65-F5344CB8AC3E}">
+        <p14:creationId xmlns:p14="http://schemas.microsoft.com/office/powerpoint/2010/main" val="2092268828"/>
+      </p:ext>
+    </p:extLst>
+  </p:cSld>
+  <p:clrMapOvr>
+    <a:masterClrMapping/>
+  </p:clrMapOvr>
+</p:sld>
+</file>
+
+<file path=ppt/slides/slide38.xml><?xml version="1.0" encoding="utf-8"?>
+<p:sld xmlns:a="http://schemas.openxmlformats.org/drawingml/2006/main" xmlns:r="http://schemas.openxmlformats.org/officeDocument/2006/relationships" xmlns:p="http://schemas.openxmlformats.org/presentationml/2006/main">
+  <p:cSld>
+    <p:spTree>
+      <p:nvGrpSpPr>
+        <p:cNvPr id="1" name=""/>
+        <p:cNvGrpSpPr/>
+        <p:nvPr/>
+      </p:nvGrpSpPr>
+      <p:grpSpPr>
+        <a:xfrm>
+          <a:off x="0" y="0"/>
+          <a:ext cx="0" cy="0"/>
+          <a:chOff x="0" y="0"/>
+          <a:chExt cx="0" cy="0"/>
+        </a:xfrm>
+      </p:grpSpPr>
+      <p:sp>
+        <p:nvSpPr>
+          <p:cNvPr id="2" name="Title 1"/>
+          <p:cNvSpPr>
+            <a:spLocks noGrp="1"/>
+          </p:cNvSpPr>
+          <p:nvPr>
+            <p:ph type="title"/>
+          </p:nvPr>
+        </p:nvSpPr>
+        <p:spPr/>
+        <p:txBody>
+          <a:bodyPr/>
+          <a:lstStyle/>
+          <a:p>
+            <a:endParaRPr lang="en-US"/>
+          </a:p>
+        </p:txBody>
+      </p:sp>
+      <p:sp>
+        <p:nvSpPr>
+          <p:cNvPr id="3" name="Content Placeholder 2"/>
+          <p:cNvSpPr>
+            <a:spLocks noGrp="1"/>
+          </p:cNvSpPr>
+          <p:nvPr>
+            <p:ph idx="1"/>
+          </p:nvPr>
+        </p:nvSpPr>
+        <p:spPr/>
+        <p:txBody>
+          <a:bodyPr/>
+          <a:lstStyle/>
+          <a:p>
+            <a:r>
+              <a:rPr lang="en-US" b="1" dirty="0" err="1"/>
+              <a:t>Menjalankan</a:t>
+            </a:r>
+            <a:r>
+              <a:rPr lang="en-US" b="1" dirty="0"/>
+              <a:t> </a:t>
+            </a:r>
+            <a:r>
+              <a:rPr lang="en-US" b="1" dirty="0" err="1"/>
+              <a:t>Jupyter</a:t>
+            </a:r>
+            <a:r>
+              <a:rPr lang="en-US" b="1" dirty="0"/>
+              <a:t> Notebook The </a:t>
+            </a:r>
+            <a:r>
+              <a:rPr lang="en-US" b="1" dirty="0" err="1"/>
+              <a:t>Pythonic</a:t>
+            </a:r>
+            <a:r>
+              <a:rPr lang="en-US" b="1" dirty="0"/>
+              <a:t> Way: Pip</a:t>
+            </a:r>
+          </a:p>
+          <a:p>
+            <a:r>
+              <a:rPr lang="en-US" dirty="0" err="1"/>
+              <a:t>Jika</a:t>
+            </a:r>
+            <a:r>
+              <a:rPr lang="en-US" dirty="0"/>
+              <a:t> </a:t>
+            </a:r>
+            <a:r>
+              <a:rPr lang="en-US" dirty="0" err="1"/>
+              <a:t>Anda</a:t>
+            </a:r>
+            <a:r>
+              <a:rPr lang="en-US" dirty="0"/>
+              <a:t> </a:t>
+            </a:r>
+            <a:r>
+              <a:rPr lang="en-US" dirty="0" err="1"/>
+              <a:t>tidak</a:t>
+            </a:r>
+            <a:r>
+              <a:rPr lang="en-US" dirty="0"/>
+              <a:t> </a:t>
+            </a:r>
+            <a:r>
+              <a:rPr lang="en-US" dirty="0" err="1"/>
+              <a:t>ingin</a:t>
+            </a:r>
+            <a:r>
+              <a:rPr lang="en-US" dirty="0"/>
+              <a:t> </a:t>
+            </a:r>
+            <a:r>
+              <a:rPr lang="en-US" dirty="0" err="1"/>
+              <a:t>menginstal</a:t>
+            </a:r>
+            <a:r>
+              <a:rPr lang="en-US" dirty="0"/>
+              <a:t> Anaconda, </a:t>
+            </a:r>
+            <a:r>
+              <a:rPr lang="en-US" dirty="0" err="1"/>
+              <a:t>Anda</a:t>
+            </a:r>
+            <a:r>
+              <a:rPr lang="en-US" dirty="0"/>
+              <a:t> </a:t>
+            </a:r>
+            <a:r>
+              <a:rPr lang="en-US" dirty="0" err="1"/>
+              <a:t>hanya</a:t>
+            </a:r>
+            <a:r>
+              <a:rPr lang="en-US" dirty="0"/>
+              <a:t> </a:t>
+            </a:r>
+            <a:r>
+              <a:rPr lang="en-US" dirty="0" err="1"/>
+              <a:t>perlu</a:t>
+            </a:r>
+            <a:r>
+              <a:rPr lang="en-US" dirty="0"/>
+              <a:t> </a:t>
+            </a:r>
+            <a:r>
+              <a:rPr lang="en-US" dirty="0" err="1"/>
+              <a:t>memastikan</a:t>
+            </a:r>
+            <a:r>
+              <a:rPr lang="en-US" dirty="0"/>
+              <a:t> </a:t>
+            </a:r>
+            <a:r>
+              <a:rPr lang="en-US" dirty="0" err="1"/>
+              <a:t>bahwa</a:t>
+            </a:r>
+            <a:r>
+              <a:rPr lang="en-US" dirty="0"/>
+              <a:t> </a:t>
+            </a:r>
+            <a:r>
+              <a:rPr lang="en-US" dirty="0" err="1"/>
+              <a:t>Anda</a:t>
+            </a:r>
+            <a:r>
+              <a:rPr lang="en-US" dirty="0"/>
+              <a:t> </a:t>
+            </a:r>
+            <a:r>
+              <a:rPr lang="en-US" dirty="0" err="1"/>
+              <a:t>memiliki</a:t>
+            </a:r>
+            <a:r>
+              <a:rPr lang="en-US" dirty="0"/>
+              <a:t> </a:t>
+            </a:r>
+            <a:r>
+              <a:rPr lang="en-US" dirty="0" err="1"/>
+              <a:t>versi</a:t>
+            </a:r>
+            <a:r>
+              <a:rPr lang="en-US" dirty="0"/>
+              <a:t> </a:t>
+            </a:r>
+            <a:r>
+              <a:rPr lang="en-US" dirty="0" err="1"/>
+              <a:t>terbaru</a:t>
+            </a:r>
+            <a:r>
+              <a:rPr lang="en-US" dirty="0"/>
+              <a:t> </a:t>
+            </a:r>
+            <a:r>
+              <a:rPr lang="en-US" dirty="0" err="1"/>
+              <a:t>dari</a:t>
+            </a:r>
+            <a:r>
+              <a:rPr lang="en-US" dirty="0"/>
+              <a:t> pip. </a:t>
+            </a:r>
+            <a:r>
+              <a:rPr lang="en-US" dirty="0" err="1"/>
+              <a:t>Jika</a:t>
+            </a:r>
+            <a:r>
+              <a:rPr lang="en-US" dirty="0"/>
+              <a:t> </a:t>
+            </a:r>
+            <a:r>
+              <a:rPr lang="en-US" dirty="0" err="1"/>
+              <a:t>Anda</a:t>
+            </a:r>
+            <a:r>
+              <a:rPr lang="en-US" dirty="0"/>
+              <a:t> </a:t>
+            </a:r>
+            <a:r>
+              <a:rPr lang="en-US" dirty="0" err="1"/>
+              <a:t>telah</a:t>
+            </a:r>
+            <a:r>
+              <a:rPr lang="en-US" dirty="0"/>
+              <a:t> </a:t>
+            </a:r>
+            <a:r>
+              <a:rPr lang="en-US" dirty="0" err="1"/>
+              <a:t>menginstal</a:t>
+            </a:r>
+            <a:r>
+              <a:rPr lang="en-US" dirty="0"/>
+              <a:t> Python, </a:t>
+            </a:r>
+            <a:r>
+              <a:rPr lang="en-US" dirty="0" err="1"/>
+              <a:t>Anda</a:t>
+            </a:r>
+            <a:r>
+              <a:rPr lang="en-US" dirty="0"/>
+              <a:t> </a:t>
+            </a:r>
+            <a:r>
+              <a:rPr lang="en-US" dirty="0" err="1"/>
+              <a:t>biasanya</a:t>
+            </a:r>
+            <a:r>
+              <a:rPr lang="en-US" dirty="0"/>
+              <a:t> </a:t>
+            </a:r>
+            <a:r>
+              <a:rPr lang="en-US" dirty="0" err="1"/>
+              <a:t>sudah</a:t>
+            </a:r>
+            <a:r>
+              <a:rPr lang="en-US" dirty="0"/>
+              <a:t> </a:t>
+            </a:r>
+            <a:r>
+              <a:rPr lang="en-US" dirty="0" err="1"/>
+              <a:t>memilikinya</a:t>
+            </a:r>
+            <a:r>
+              <a:rPr lang="en-US" dirty="0"/>
+              <a:t>.</a:t>
+            </a:r>
+          </a:p>
+          <a:p>
+            <a:r>
+              <a:rPr lang="en-US" dirty="0"/>
+              <a:t>Yang </a:t>
+            </a:r>
+            <a:r>
+              <a:rPr lang="en-US" dirty="0" err="1"/>
+              <a:t>perlu</a:t>
+            </a:r>
+            <a:r>
+              <a:rPr lang="en-US" dirty="0"/>
+              <a:t> </a:t>
+            </a:r>
+            <a:r>
+              <a:rPr lang="en-US" dirty="0" err="1"/>
+              <a:t>Anda</a:t>
+            </a:r>
+            <a:r>
+              <a:rPr lang="en-US" dirty="0"/>
+              <a:t> </a:t>
+            </a:r>
+            <a:r>
+              <a:rPr lang="en-US" dirty="0" err="1"/>
+              <a:t>lakukan</a:t>
+            </a:r>
+            <a:r>
+              <a:rPr lang="en-US" dirty="0"/>
+              <a:t> </a:t>
+            </a:r>
+            <a:r>
+              <a:rPr lang="en-US" dirty="0" err="1"/>
+              <a:t>adalah</a:t>
+            </a:r>
+            <a:r>
+              <a:rPr lang="en-US" dirty="0"/>
+              <a:t> </a:t>
+            </a:r>
+            <a:r>
+              <a:rPr lang="en-US" dirty="0" err="1"/>
+              <a:t>memutakhirkan</a:t>
+            </a:r>
+            <a:r>
+              <a:rPr lang="en-US" dirty="0"/>
+              <a:t> pip:</a:t>
+            </a:r>
+          </a:p>
+          <a:p>
+            <a:endParaRPr lang="en-US" dirty="0"/>
+          </a:p>
+          <a:p>
+            <a:endParaRPr lang="en-US" dirty="0"/>
+          </a:p>
+        </p:txBody>
+      </p:sp>
+      <p:pic>
+        <p:nvPicPr>
+          <p:cNvPr id="4" name="Picture 3"/>
+          <p:cNvPicPr>
+            <a:picLocks noChangeAspect="1"/>
+          </p:cNvPicPr>
+          <p:nvPr/>
+        </p:nvPicPr>
+        <p:blipFill>
+          <a:blip r:embed="rId2"/>
+          <a:stretch>
+            <a:fillRect/>
+          </a:stretch>
+        </p:blipFill>
+        <p:spPr>
+          <a:xfrm>
+            <a:off x="493013" y="4713194"/>
+            <a:ext cx="10782300" cy="838200"/>
+          </a:xfrm>
+          <a:prstGeom prst="rect">
+            <a:avLst/>
+          </a:prstGeom>
+        </p:spPr>
+      </p:pic>
+    </p:spTree>
+    <p:extLst>
+      <p:ext uri="{BB962C8B-B14F-4D97-AF65-F5344CB8AC3E}">
+        <p14:creationId xmlns:p14="http://schemas.microsoft.com/office/powerpoint/2010/main" val="636199245"/>
+      </p:ext>
+    </p:extLst>
+  </p:cSld>
+  <p:clrMapOvr>
+    <a:masterClrMapping/>
+  </p:clrMapOvr>
+</p:sld>
+</file>
+
+<file path=ppt/slides/slide39.xml><?xml version="1.0" encoding="utf-8"?>
+<p:sld xmlns:a="http://schemas.openxmlformats.org/drawingml/2006/main" xmlns:r="http://schemas.openxmlformats.org/officeDocument/2006/relationships" xmlns:p="http://schemas.openxmlformats.org/presentationml/2006/main">
+  <p:cSld>
+    <p:spTree>
+      <p:nvGrpSpPr>
+        <p:cNvPr id="1" name=""/>
+        <p:cNvGrpSpPr/>
+        <p:nvPr/>
+      </p:nvGrpSpPr>
+      <p:grpSpPr>
+        <a:xfrm>
+          <a:off x="0" y="0"/>
+          <a:ext cx="0" cy="0"/>
+          <a:chOff x="0" y="0"/>
+          <a:chExt cx="0" cy="0"/>
+        </a:xfrm>
+      </p:grpSpPr>
+      <p:sp>
+        <p:nvSpPr>
+          <p:cNvPr id="2" name="Title 1"/>
+          <p:cNvSpPr>
+            <a:spLocks noGrp="1"/>
+          </p:cNvSpPr>
+          <p:nvPr>
+            <p:ph type="title"/>
+          </p:nvPr>
+        </p:nvSpPr>
+        <p:spPr/>
+        <p:txBody>
+          <a:bodyPr/>
+          <a:lstStyle/>
+          <a:p>
+            <a:r>
+              <a:rPr lang="en-US" dirty="0" smtClean="0"/>
+              <a:t>Cara </a:t>
+            </a:r>
+            <a:r>
+              <a:rPr lang="en-US" dirty="0" err="1" smtClean="0"/>
+              <a:t>menggunakan</a:t>
+            </a:r>
+            <a:r>
+              <a:rPr lang="en-US" dirty="0" smtClean="0"/>
+              <a:t> </a:t>
+            </a:r>
+            <a:r>
+              <a:rPr lang="en-US" dirty="0" err="1" smtClean="0"/>
+              <a:t>jupyter</a:t>
+            </a:r>
+            <a:endParaRPr lang="en-US" dirty="0"/>
+          </a:p>
+        </p:txBody>
+      </p:sp>
+      <p:sp>
+        <p:nvSpPr>
+          <p:cNvPr id="3" name="Content Placeholder 2"/>
+          <p:cNvSpPr>
+            <a:spLocks noGrp="1"/>
+          </p:cNvSpPr>
+          <p:nvPr>
+            <p:ph idx="1"/>
+          </p:nvPr>
+        </p:nvSpPr>
+        <p:spPr/>
+        <p:txBody>
+          <a:bodyPr/>
+          <a:lstStyle/>
+          <a:p>
+            <a:r>
+              <a:rPr lang="sv-SE" dirty="0" smtClean="0"/>
+              <a:t>Jalankan </a:t>
+            </a:r>
+            <a:r>
+              <a:rPr lang="sv-SE" dirty="0"/>
+              <a:t>perintah berikut untuk membuka aplikasi</a:t>
+            </a:r>
+            <a:r>
+              <a:rPr lang="sv-SE" dirty="0" smtClean="0"/>
+              <a:t>:</a:t>
+            </a:r>
+          </a:p>
+          <a:p>
+            <a:endParaRPr lang="sv-SE" dirty="0"/>
+          </a:p>
+          <a:p>
+            <a:endParaRPr lang="sv-SE" dirty="0" smtClean="0"/>
+          </a:p>
+          <a:p>
+            <a:endParaRPr lang="sv-SE" dirty="0"/>
+          </a:p>
+          <a:p>
+            <a:r>
+              <a:rPr lang="sv-SE" dirty="0" smtClean="0"/>
+              <a:t>Ketikan ’jupyter notebook’ pada cmd dan langsung ke buka di web jupyter</a:t>
+            </a:r>
+            <a:endParaRPr lang="sv-SE" dirty="0"/>
+          </a:p>
+          <a:p>
+            <a:endParaRPr lang="en-US" dirty="0"/>
+          </a:p>
+          <a:p>
+            <a:endParaRPr lang="en-US" dirty="0" smtClean="0"/>
+          </a:p>
+          <a:p>
+            <a:endParaRPr lang="en-US" dirty="0"/>
+          </a:p>
+          <a:p>
+            <a:endParaRPr lang="en-US" dirty="0" smtClean="0"/>
+          </a:p>
+          <a:p>
+            <a:pPr marL="0" indent="0">
+              <a:buNone/>
+            </a:pPr>
+            <a:endParaRPr lang="en-US" dirty="0"/>
+          </a:p>
+        </p:txBody>
+      </p:sp>
+      <p:pic>
+        <p:nvPicPr>
+          <p:cNvPr id="4" name="Picture 3"/>
+          <p:cNvPicPr>
+            <a:picLocks noChangeAspect="1"/>
+          </p:cNvPicPr>
+          <p:nvPr/>
+        </p:nvPicPr>
+        <p:blipFill>
+          <a:blip r:embed="rId2"/>
+          <a:stretch>
+            <a:fillRect/>
+          </a:stretch>
+        </p:blipFill>
+        <p:spPr>
+          <a:xfrm>
+            <a:off x="3998213" y="2868706"/>
+            <a:ext cx="3771900" cy="762000"/>
+          </a:xfrm>
+          <a:prstGeom prst="rect">
+            <a:avLst/>
+          </a:prstGeom>
+        </p:spPr>
+      </p:pic>
+    </p:spTree>
+    <p:extLst>
+      <p:ext uri="{BB962C8B-B14F-4D97-AF65-F5344CB8AC3E}">
+        <p14:creationId xmlns:p14="http://schemas.microsoft.com/office/powerpoint/2010/main" val="2608051515"/>
       </p:ext>
     </p:extLst>
   </p:cSld>
@@ -13146,6 +14454,602 @@
       </p:par>
     </p:tnLst>
   </p:timing>
+</p:sld>
+</file>
+
+<file path=ppt/slides/slide40.xml><?xml version="1.0" encoding="utf-8"?>
+<p:sld xmlns:a="http://schemas.openxmlformats.org/drawingml/2006/main" xmlns:r="http://schemas.openxmlformats.org/officeDocument/2006/relationships" xmlns:p="http://schemas.openxmlformats.org/presentationml/2006/main">
+  <p:cSld>
+    <p:spTree>
+      <p:nvGrpSpPr>
+        <p:cNvPr id="1" name=""/>
+        <p:cNvGrpSpPr/>
+        <p:nvPr/>
+      </p:nvGrpSpPr>
+      <p:grpSpPr>
+        <a:xfrm>
+          <a:off x="0" y="0"/>
+          <a:ext cx="0" cy="0"/>
+          <a:chOff x="0" y="0"/>
+          <a:chExt cx="0" cy="0"/>
+        </a:xfrm>
+      </p:grpSpPr>
+      <p:sp>
+        <p:nvSpPr>
+          <p:cNvPr id="2" name="Title 1"/>
+          <p:cNvSpPr>
+            <a:spLocks noGrp="1"/>
+          </p:cNvSpPr>
+          <p:nvPr>
+            <p:ph type="title"/>
+          </p:nvPr>
+        </p:nvSpPr>
+        <p:spPr/>
+        <p:txBody>
+          <a:bodyPr/>
+          <a:lstStyle/>
+          <a:p>
+            <a:r>
+              <a:rPr lang="en-US" dirty="0" err="1" smtClean="0"/>
+              <a:t>Walaa</a:t>
+            </a:r>
+            <a:r>
+              <a:rPr lang="en-US" dirty="0" smtClean="0"/>
+              <a:t>..</a:t>
+            </a:r>
+            <a:endParaRPr lang="en-US" dirty="0"/>
+          </a:p>
+        </p:txBody>
+      </p:sp>
+      <p:pic>
+        <p:nvPicPr>
+          <p:cNvPr id="4" name="Content Placeholder 3"/>
+          <p:cNvPicPr>
+            <a:picLocks noGrp="1" noChangeAspect="1"/>
+          </p:cNvPicPr>
+          <p:nvPr>
+            <p:ph idx="1"/>
+          </p:nvPr>
+        </p:nvPicPr>
+        <p:blipFill>
+          <a:blip r:embed="rId2"/>
+          <a:stretch>
+            <a:fillRect/>
+          </a:stretch>
+        </p:blipFill>
+        <p:spPr>
+          <a:xfrm>
+            <a:off x="2312456" y="2286000"/>
+            <a:ext cx="7143226" cy="4022725"/>
+          </a:xfrm>
+          <a:prstGeom prst="rect">
+            <a:avLst/>
+          </a:prstGeom>
+        </p:spPr>
+      </p:pic>
+    </p:spTree>
+    <p:extLst>
+      <p:ext uri="{BB962C8B-B14F-4D97-AF65-F5344CB8AC3E}">
+        <p14:creationId xmlns:p14="http://schemas.microsoft.com/office/powerpoint/2010/main" val="1500531861"/>
+      </p:ext>
+    </p:extLst>
+  </p:cSld>
+  <p:clrMapOvr>
+    <a:masterClrMapping/>
+  </p:clrMapOvr>
+</p:sld>
+</file>
+
+<file path=ppt/slides/slide41.xml><?xml version="1.0" encoding="utf-8"?>
+<p:sld xmlns:a="http://schemas.openxmlformats.org/drawingml/2006/main" xmlns:r="http://schemas.openxmlformats.org/officeDocument/2006/relationships" xmlns:p="http://schemas.openxmlformats.org/presentationml/2006/main">
+  <p:cSld>
+    <p:spTree>
+      <p:nvGrpSpPr>
+        <p:cNvPr id="1" name=""/>
+        <p:cNvGrpSpPr/>
+        <p:nvPr/>
+      </p:nvGrpSpPr>
+      <p:grpSpPr>
+        <a:xfrm>
+          <a:off x="0" y="0"/>
+          <a:ext cx="0" cy="0"/>
+          <a:chOff x="0" y="0"/>
+          <a:chExt cx="0" cy="0"/>
+        </a:xfrm>
+      </p:grpSpPr>
+      <p:sp>
+        <p:nvSpPr>
+          <p:cNvPr id="2" name="Title 1"/>
+          <p:cNvSpPr>
+            <a:spLocks noGrp="1"/>
+          </p:cNvSpPr>
+          <p:nvPr>
+            <p:ph type="title"/>
+          </p:nvPr>
+        </p:nvSpPr>
+        <p:spPr/>
+        <p:txBody>
+          <a:bodyPr/>
+          <a:lstStyle/>
+          <a:p>
+            <a:r>
+              <a:rPr lang="en-US" dirty="0" err="1" smtClean="0"/>
+              <a:t>seaborn</a:t>
+            </a:r>
+            <a:endParaRPr lang="en-US" dirty="0"/>
+          </a:p>
+        </p:txBody>
+      </p:sp>
+      <p:sp>
+        <p:nvSpPr>
+          <p:cNvPr id="3" name="Content Placeholder 2"/>
+          <p:cNvSpPr>
+            <a:spLocks noGrp="1"/>
+          </p:cNvSpPr>
+          <p:nvPr>
+            <p:ph idx="1"/>
+          </p:nvPr>
+        </p:nvSpPr>
+        <p:spPr/>
+        <p:txBody>
+          <a:bodyPr/>
+          <a:lstStyle/>
+          <a:p>
+            <a:r>
+              <a:rPr lang="en-US" dirty="0" err="1"/>
+              <a:t>Seaborn</a:t>
+            </a:r>
+            <a:r>
+              <a:rPr lang="en-US" dirty="0"/>
+              <a:t> </a:t>
+            </a:r>
+            <a:r>
+              <a:rPr lang="en-US" dirty="0" err="1"/>
+              <a:t>adalah</a:t>
+            </a:r>
+            <a:r>
+              <a:rPr lang="en-US" dirty="0"/>
+              <a:t> </a:t>
+            </a:r>
+            <a:r>
+              <a:rPr lang="en-US" dirty="0" err="1"/>
+              <a:t>perpustakaan</a:t>
+            </a:r>
+            <a:r>
+              <a:rPr lang="en-US" dirty="0"/>
+              <a:t> </a:t>
+            </a:r>
+            <a:r>
+              <a:rPr lang="en-US" dirty="0" err="1"/>
+              <a:t>visualisasi</a:t>
+            </a:r>
+            <a:r>
+              <a:rPr lang="en-US" dirty="0"/>
+              <a:t> data Python </a:t>
+            </a:r>
+            <a:r>
+              <a:rPr lang="en-US" dirty="0" err="1"/>
+              <a:t>berdasarkan</a:t>
+            </a:r>
+            <a:r>
+              <a:rPr lang="en-US" dirty="0"/>
+              <a:t> </a:t>
+            </a:r>
+            <a:r>
+              <a:rPr lang="en-US" dirty="0" err="1"/>
+              <a:t>matplotlib</a:t>
+            </a:r>
+            <a:r>
+              <a:rPr lang="en-US" dirty="0"/>
+              <a:t>. </a:t>
+            </a:r>
+            <a:r>
+              <a:rPr lang="en-US" dirty="0" err="1"/>
+              <a:t>Ini</a:t>
+            </a:r>
+            <a:r>
+              <a:rPr lang="en-US" dirty="0"/>
+              <a:t> </a:t>
+            </a:r>
+            <a:r>
+              <a:rPr lang="en-US" dirty="0" err="1"/>
+              <a:t>menyediakan</a:t>
+            </a:r>
+            <a:r>
+              <a:rPr lang="en-US" dirty="0"/>
+              <a:t> </a:t>
+            </a:r>
+            <a:r>
+              <a:rPr lang="en-US" dirty="0" err="1"/>
+              <a:t>antarmuka</a:t>
+            </a:r>
+            <a:r>
+              <a:rPr lang="en-US" dirty="0"/>
+              <a:t> </a:t>
+            </a:r>
+            <a:r>
+              <a:rPr lang="en-US" dirty="0" err="1"/>
+              <a:t>tingkat</a:t>
+            </a:r>
+            <a:r>
+              <a:rPr lang="en-US" dirty="0"/>
+              <a:t> </a:t>
+            </a:r>
+            <a:r>
+              <a:rPr lang="en-US" dirty="0" err="1"/>
+              <a:t>tinggi</a:t>
+            </a:r>
+            <a:r>
+              <a:rPr lang="en-US" dirty="0"/>
+              <a:t> </a:t>
+            </a:r>
+            <a:r>
+              <a:rPr lang="en-US" dirty="0" err="1"/>
+              <a:t>untuk</a:t>
+            </a:r>
+            <a:r>
+              <a:rPr lang="en-US" dirty="0"/>
+              <a:t> </a:t>
+            </a:r>
+            <a:r>
+              <a:rPr lang="en-US" dirty="0" err="1"/>
+              <a:t>menggambar</a:t>
+            </a:r>
+            <a:r>
+              <a:rPr lang="en-US" dirty="0"/>
+              <a:t> </a:t>
+            </a:r>
+            <a:r>
+              <a:rPr lang="en-US" dirty="0" err="1"/>
+              <a:t>grafik</a:t>
+            </a:r>
+            <a:r>
+              <a:rPr lang="en-US" dirty="0"/>
+              <a:t> </a:t>
+            </a:r>
+            <a:r>
+              <a:rPr lang="en-US" dirty="0" err="1"/>
+              <a:t>statistik</a:t>
+            </a:r>
+            <a:r>
+              <a:rPr lang="en-US" dirty="0"/>
+              <a:t> yang </a:t>
+            </a:r>
+            <a:r>
+              <a:rPr lang="en-US" dirty="0" err="1"/>
+              <a:t>menarik</a:t>
+            </a:r>
+            <a:r>
+              <a:rPr lang="en-US" dirty="0"/>
+              <a:t> </a:t>
+            </a:r>
+            <a:r>
+              <a:rPr lang="en-US" dirty="0" err="1"/>
+              <a:t>dan</a:t>
+            </a:r>
+            <a:r>
+              <a:rPr lang="en-US" dirty="0"/>
+              <a:t> </a:t>
+            </a:r>
+            <a:r>
+              <a:rPr lang="en-US" dirty="0" err="1"/>
+              <a:t>informatif</a:t>
+            </a:r>
+            <a:r>
+              <a:rPr lang="en-US" dirty="0"/>
+              <a:t>.</a:t>
+            </a:r>
+          </a:p>
+        </p:txBody>
+      </p:sp>
+    </p:spTree>
+    <p:extLst>
+      <p:ext uri="{BB962C8B-B14F-4D97-AF65-F5344CB8AC3E}">
+        <p14:creationId xmlns:p14="http://schemas.microsoft.com/office/powerpoint/2010/main" val="2106325255"/>
+      </p:ext>
+    </p:extLst>
+  </p:cSld>
+  <p:clrMapOvr>
+    <a:masterClrMapping/>
+  </p:clrMapOvr>
+</p:sld>
+</file>
+
+<file path=ppt/slides/slide42.xml><?xml version="1.0" encoding="utf-8"?>
+<p:sld xmlns:a="http://schemas.openxmlformats.org/drawingml/2006/main" xmlns:r="http://schemas.openxmlformats.org/officeDocument/2006/relationships" xmlns:p="http://schemas.openxmlformats.org/presentationml/2006/main">
+  <p:cSld>
+    <p:spTree>
+      <p:nvGrpSpPr>
+        <p:cNvPr id="1" name=""/>
+        <p:cNvGrpSpPr/>
+        <p:nvPr/>
+      </p:nvGrpSpPr>
+      <p:grpSpPr>
+        <a:xfrm>
+          <a:off x="0" y="0"/>
+          <a:ext cx="0" cy="0"/>
+          <a:chOff x="0" y="0"/>
+          <a:chExt cx="0" cy="0"/>
+        </a:xfrm>
+      </p:grpSpPr>
+      <p:sp>
+        <p:nvSpPr>
+          <p:cNvPr id="2" name="Title 1"/>
+          <p:cNvSpPr>
+            <a:spLocks noGrp="1"/>
+          </p:cNvSpPr>
+          <p:nvPr>
+            <p:ph type="title"/>
+          </p:nvPr>
+        </p:nvSpPr>
+        <p:spPr/>
+        <p:txBody>
+          <a:bodyPr/>
+          <a:lstStyle/>
+          <a:p>
+            <a:r>
+              <a:rPr lang="en-US" dirty="0" smtClean="0"/>
+              <a:t>Install </a:t>
+            </a:r>
+            <a:r>
+              <a:rPr lang="en-US" dirty="0" err="1" smtClean="0"/>
+              <a:t>seaborn</a:t>
+            </a:r>
+            <a:endParaRPr lang="en-US" dirty="0"/>
+          </a:p>
+        </p:txBody>
+      </p:sp>
+      <p:pic>
+        <p:nvPicPr>
+          <p:cNvPr id="4" name="Content Placeholder 3"/>
+          <p:cNvPicPr>
+            <a:picLocks noGrp="1" noChangeAspect="1"/>
+          </p:cNvPicPr>
+          <p:nvPr>
+            <p:ph idx="1"/>
+          </p:nvPr>
+        </p:nvPicPr>
+        <p:blipFill>
+          <a:blip r:embed="rId2"/>
+          <a:stretch>
+            <a:fillRect/>
+          </a:stretch>
+        </p:blipFill>
+        <p:spPr>
+          <a:xfrm>
+            <a:off x="2335846" y="2286000"/>
+            <a:ext cx="7096445" cy="4022725"/>
+          </a:xfrm>
+          <a:prstGeom prst="rect">
+            <a:avLst/>
+          </a:prstGeom>
+        </p:spPr>
+      </p:pic>
+    </p:spTree>
+    <p:extLst>
+      <p:ext uri="{BB962C8B-B14F-4D97-AF65-F5344CB8AC3E}">
+        <p14:creationId xmlns:p14="http://schemas.microsoft.com/office/powerpoint/2010/main" val="4121076865"/>
+      </p:ext>
+    </p:extLst>
+  </p:cSld>
+  <p:clrMapOvr>
+    <a:masterClrMapping/>
+  </p:clrMapOvr>
+</p:sld>
+</file>
+
+<file path=ppt/slides/slide43.xml><?xml version="1.0" encoding="utf-8"?>
+<p:sld xmlns:a="http://schemas.openxmlformats.org/drawingml/2006/main" xmlns:r="http://schemas.openxmlformats.org/officeDocument/2006/relationships" xmlns:p="http://schemas.openxmlformats.org/presentationml/2006/main">
+  <p:cSld>
+    <p:spTree>
+      <p:nvGrpSpPr>
+        <p:cNvPr id="1" name=""/>
+        <p:cNvGrpSpPr/>
+        <p:nvPr/>
+      </p:nvGrpSpPr>
+      <p:grpSpPr>
+        <a:xfrm>
+          <a:off x="0" y="0"/>
+          <a:ext cx="0" cy="0"/>
+          <a:chOff x="0" y="0"/>
+          <a:chExt cx="0" cy="0"/>
+        </a:xfrm>
+      </p:grpSpPr>
+      <p:sp>
+        <p:nvSpPr>
+          <p:cNvPr id="2" name="Title 1"/>
+          <p:cNvSpPr>
+            <a:spLocks noGrp="1"/>
+          </p:cNvSpPr>
+          <p:nvPr>
+            <p:ph type="title"/>
+          </p:nvPr>
+        </p:nvSpPr>
+        <p:spPr/>
+        <p:txBody>
+          <a:bodyPr/>
+          <a:lstStyle/>
+          <a:p>
+            <a:r>
+              <a:rPr lang="en-US" dirty="0" err="1" smtClean="0"/>
+              <a:t>Daftar</a:t>
+            </a:r>
+            <a:r>
+              <a:rPr lang="en-US" dirty="0" smtClean="0"/>
+              <a:t> </a:t>
+            </a:r>
+            <a:r>
+              <a:rPr lang="en-US" dirty="0" err="1" smtClean="0"/>
+              <a:t>pustaka</a:t>
+            </a:r>
+            <a:endParaRPr lang="en-US" dirty="0"/>
+          </a:p>
+        </p:txBody>
+      </p:sp>
+      <p:sp>
+        <p:nvSpPr>
+          <p:cNvPr id="3" name="Content Placeholder 2"/>
+          <p:cNvSpPr>
+            <a:spLocks noGrp="1"/>
+          </p:cNvSpPr>
+          <p:nvPr>
+            <p:ph idx="1"/>
+          </p:nvPr>
+        </p:nvSpPr>
+        <p:spPr/>
+        <p:txBody>
+          <a:bodyPr/>
+          <a:lstStyle/>
+          <a:p>
+            <a:r>
+              <a:rPr lang="en-US" dirty="0" smtClean="0"/>
+              <a:t>1. </a:t>
+            </a:r>
+            <a:r>
+              <a:rPr lang="en-US" dirty="0">
+                <a:hlinkClick r:id="rId2"/>
+              </a:rPr>
+              <a:t>https</a:t>
+            </a:r>
+            <a:r>
+              <a:rPr lang="en-US" dirty="0" smtClean="0">
+                <a:hlinkClick r:id="rId2"/>
+              </a:rPr>
+              <a:t>://wiki.python.org/moin/UsefulModules</a:t>
+            </a:r>
+            <a:endParaRPr lang="en-US" dirty="0" smtClean="0"/>
+          </a:p>
+          <a:p>
+            <a:r>
+              <a:rPr lang="en-US" dirty="0" smtClean="0"/>
+              <a:t>2. </a:t>
+            </a:r>
+            <a:r>
+              <a:rPr lang="en-US" dirty="0">
+                <a:hlinkClick r:id="rId3"/>
+              </a:rPr>
+              <a:t>https://</a:t>
+            </a:r>
+            <a:r>
+              <a:rPr lang="en-US" dirty="0" smtClean="0">
+                <a:hlinkClick r:id="rId3"/>
+              </a:rPr>
+              <a:t>belajarpython.com/tutorial/object-class-python</a:t>
+            </a:r>
+            <a:endParaRPr lang="en-US" dirty="0" smtClean="0"/>
+          </a:p>
+          <a:p>
+            <a:r>
+              <a:rPr lang="en-US" dirty="0" smtClean="0"/>
+              <a:t>3. </a:t>
+            </a:r>
+            <a:r>
+              <a:rPr lang="en-US" dirty="0">
+                <a:hlinkClick r:id="rId4"/>
+              </a:rPr>
+              <a:t>https://</a:t>
+            </a:r>
+            <a:r>
+              <a:rPr lang="en-US" dirty="0" smtClean="0">
+                <a:hlinkClick r:id="rId4"/>
+              </a:rPr>
+              <a:t>belajarpython.com/tutorial/tipe-data-python</a:t>
+            </a:r>
+            <a:endParaRPr lang="en-US" dirty="0" smtClean="0"/>
+          </a:p>
+          <a:p>
+            <a:r>
+              <a:rPr lang="en-US" dirty="0" smtClean="0"/>
+              <a:t>4. </a:t>
+            </a:r>
+            <a:r>
+              <a:rPr lang="en-US" dirty="0">
+                <a:hlinkClick r:id="rId5"/>
+              </a:rPr>
+              <a:t>https://packaging.python.org/discussions/pip-vs-easy-install/</a:t>
+            </a:r>
+            <a:endParaRPr lang="en-US" dirty="0" smtClean="0"/>
+          </a:p>
+          <a:p>
+            <a:r>
+              <a:rPr lang="en-US" dirty="0"/>
+              <a:t>5</a:t>
+            </a:r>
+            <a:r>
+              <a:rPr lang="en-US" dirty="0" smtClean="0"/>
+              <a:t>. </a:t>
+            </a:r>
+            <a:r>
+              <a:rPr lang="en-US" dirty="0">
+                <a:hlinkClick r:id="rId6"/>
+              </a:rPr>
+              <a:t>https://</a:t>
+            </a:r>
+            <a:r>
+              <a:rPr lang="en-US" dirty="0" smtClean="0">
+                <a:hlinkClick r:id="rId6"/>
+              </a:rPr>
+              <a:t>belajarpython.com/tutorial/variabel-python</a:t>
+            </a:r>
+            <a:endParaRPr lang="en-US" dirty="0" smtClean="0"/>
+          </a:p>
+          <a:p>
+            <a:r>
+              <a:rPr lang="en-US" dirty="0" smtClean="0"/>
+              <a:t>6. </a:t>
+            </a:r>
+            <a:r>
+              <a:rPr lang="en-US" dirty="0">
+                <a:hlinkClick r:id="rId7"/>
+              </a:rPr>
+              <a:t>https://www.petanikode.com/python-windows/</a:t>
+            </a:r>
+            <a:endParaRPr lang="en-US" dirty="0" smtClean="0"/>
+          </a:p>
+          <a:p>
+            <a:r>
+              <a:rPr lang="en-US" dirty="0" smtClean="0"/>
+              <a:t>7. </a:t>
+            </a:r>
+            <a:r>
+              <a:rPr lang="en-US" dirty="0">
+                <a:hlinkClick r:id="rId8"/>
+              </a:rPr>
+              <a:t>https://</a:t>
+            </a:r>
+            <a:r>
+              <a:rPr lang="en-US" dirty="0" smtClean="0">
+                <a:hlinkClick r:id="rId8"/>
+              </a:rPr>
+              <a:t>belajarpython.com/tutorial/kondisi-if-else-python</a:t>
+            </a:r>
+            <a:endParaRPr lang="en-US" dirty="0" smtClean="0"/>
+          </a:p>
+          <a:p>
+            <a:r>
+              <a:rPr lang="en-US" dirty="0" smtClean="0"/>
+              <a:t>8. </a:t>
+            </a:r>
+            <a:r>
+              <a:rPr lang="en-US" dirty="0">
+                <a:hlinkClick r:id="rId9"/>
+              </a:rPr>
+              <a:t>https://www.codepolitan.com/melihat-berbagai-macam-function-python</a:t>
+            </a:r>
+            <a:endParaRPr lang="en-US" dirty="0"/>
+          </a:p>
+        </p:txBody>
+      </p:sp>
+    </p:spTree>
+    <p:extLst>
+      <p:ext uri="{BB962C8B-B14F-4D97-AF65-F5344CB8AC3E}">
+        <p14:creationId xmlns:p14="http://schemas.microsoft.com/office/powerpoint/2010/main" val="157279969"/>
+      </p:ext>
+    </p:extLst>
+  </p:cSld>
+  <p:clrMapOvr>
+    <a:masterClrMapping/>
+  </p:clrMapOvr>
 </p:sld>
 </file>
 
